--- a/ppt 16-9/0493.主所爱的人在哪.pptx
+++ b/ppt 16-9/0493.主所爱的人在哪.pptx
@@ -129,7 +129,7 @@
           <p:cNvPr id="2" name="标题 1">
             <a:extLst>
               <a:ext uri="{FF2B5EF4-FFF2-40B4-BE49-F238E27FC236}">
-                <a16:creationId xmlns:a16="http://schemas.microsoft.com/office/drawing/2014/main" id="{266682EB-401B-92FA-EF99-6D5531D94FCC}"/>
+                <a16:creationId xmlns:a16="http://schemas.microsoft.com/office/drawing/2014/main" id="{5BA81CA5-3E55-DD14-F55C-47C3181D3CF2}"/>
               </a:ext>
             </a:extLst>
           </p:cNvPr>
@@ -166,7 +166,7 @@
           <p:cNvPr id="3" name="副标题 2">
             <a:extLst>
               <a:ext uri="{FF2B5EF4-FFF2-40B4-BE49-F238E27FC236}">
-                <a16:creationId xmlns:a16="http://schemas.microsoft.com/office/drawing/2014/main" id="{702E8BFE-57DC-CA17-2C9C-800F9E3E0310}"/>
+                <a16:creationId xmlns:a16="http://schemas.microsoft.com/office/drawing/2014/main" id="{E60895E9-3CCD-A29E-91EC-1F0EE48EF11B}"/>
               </a:ext>
             </a:extLst>
           </p:cNvPr>
@@ -236,7 +236,7 @@
           <p:cNvPr id="4" name="日期占位符 3">
             <a:extLst>
               <a:ext uri="{FF2B5EF4-FFF2-40B4-BE49-F238E27FC236}">
-                <a16:creationId xmlns:a16="http://schemas.microsoft.com/office/drawing/2014/main" id="{76E9CAE3-0A2B-6D4E-E372-37315AB01F0F}"/>
+                <a16:creationId xmlns:a16="http://schemas.microsoft.com/office/drawing/2014/main" id="{2C37328F-E496-5829-4294-2557C95BEFA0}"/>
               </a:ext>
             </a:extLst>
           </p:cNvPr>
@@ -252,7 +252,7 @@
           <a:bodyPr/>
           <a:lstStyle/>
           <a:p>
-            <a:fld id="{8763F5E6-13B0-4B16-9BFA-041881E08076}" type="datetimeFigureOut">
+            <a:fld id="{C3FDA72C-55BE-4CC9-AF15-8C2F94430C17}" type="datetimeFigureOut">
               <a:rPr lang="zh-CN" altLang="en-US" smtClean="0"/>
               <a:t>2024/3/10</a:t>
             </a:fld>
@@ -265,7 +265,7 @@
           <p:cNvPr id="5" name="页脚占位符 4">
             <a:extLst>
               <a:ext uri="{FF2B5EF4-FFF2-40B4-BE49-F238E27FC236}">
-                <a16:creationId xmlns:a16="http://schemas.microsoft.com/office/drawing/2014/main" id="{3B67D336-5464-7F94-D6F2-31AB834391FA}"/>
+                <a16:creationId xmlns:a16="http://schemas.microsoft.com/office/drawing/2014/main" id="{F8517BE0-0B23-CF13-C5FB-261FAD1AA927}"/>
               </a:ext>
             </a:extLst>
           </p:cNvPr>
@@ -290,7 +290,7 @@
           <p:cNvPr id="6" name="灯片编号占位符 5">
             <a:extLst>
               <a:ext uri="{FF2B5EF4-FFF2-40B4-BE49-F238E27FC236}">
-                <a16:creationId xmlns:a16="http://schemas.microsoft.com/office/drawing/2014/main" id="{D3239E7C-8899-2F0A-C62F-EB650FE854FD}"/>
+                <a16:creationId xmlns:a16="http://schemas.microsoft.com/office/drawing/2014/main" id="{B416B813-4124-F48D-B5FD-2ACF2F556DAD}"/>
               </a:ext>
             </a:extLst>
           </p:cNvPr>
@@ -306,7 +306,7 @@
           <a:bodyPr/>
           <a:lstStyle/>
           <a:p>
-            <a:fld id="{4C8AF1B9-8D38-436D-98BD-3A57F03BA794}" type="slidenum">
+            <a:fld id="{D886264A-1306-4D9C-9BE8-32C1F63097C6}" type="slidenum">
               <a:rPr lang="zh-CN" altLang="en-US" smtClean="0"/>
               <a:t>‹#›</a:t>
             </a:fld>
@@ -317,7 +317,7 @@
     </p:spTree>
     <p:extLst>
       <p:ext uri="{BB962C8B-B14F-4D97-AF65-F5344CB8AC3E}">
-        <p14:creationId xmlns:p14="http://schemas.microsoft.com/office/powerpoint/2010/main" val="3922668358"/>
+        <p14:creationId xmlns:p14="http://schemas.microsoft.com/office/powerpoint/2010/main" val="2166981318"/>
       </p:ext>
     </p:extLst>
   </p:cSld>
@@ -349,7 +349,7 @@
           <p:cNvPr id="2" name="标题 1">
             <a:extLst>
               <a:ext uri="{FF2B5EF4-FFF2-40B4-BE49-F238E27FC236}">
-                <a16:creationId xmlns:a16="http://schemas.microsoft.com/office/drawing/2014/main" id="{095A05D7-BDD6-6C79-8DE7-3BFFAC7B4959}"/>
+                <a16:creationId xmlns:a16="http://schemas.microsoft.com/office/drawing/2014/main" id="{9A413078-A809-4292-F1A8-9A3632DE74F2}"/>
               </a:ext>
             </a:extLst>
           </p:cNvPr>
@@ -377,7 +377,7 @@
           <p:cNvPr id="3" name="竖排文字占位符 2">
             <a:extLst>
               <a:ext uri="{FF2B5EF4-FFF2-40B4-BE49-F238E27FC236}">
-                <a16:creationId xmlns:a16="http://schemas.microsoft.com/office/drawing/2014/main" id="{6D0706C9-4170-A172-6600-DB866AB2BDFD}"/>
+                <a16:creationId xmlns:a16="http://schemas.microsoft.com/office/drawing/2014/main" id="{A246DA93-8372-1B48-5F1C-A6B26FFD41B6}"/>
               </a:ext>
             </a:extLst>
           </p:cNvPr>
@@ -434,7 +434,7 @@
           <p:cNvPr id="4" name="日期占位符 3">
             <a:extLst>
               <a:ext uri="{FF2B5EF4-FFF2-40B4-BE49-F238E27FC236}">
-                <a16:creationId xmlns:a16="http://schemas.microsoft.com/office/drawing/2014/main" id="{A8E02AEC-707A-EE24-4220-E7ED0E230DED}"/>
+                <a16:creationId xmlns:a16="http://schemas.microsoft.com/office/drawing/2014/main" id="{601C92EF-DC5C-E30E-D15D-54865B1AAE31}"/>
               </a:ext>
             </a:extLst>
           </p:cNvPr>
@@ -450,7 +450,7 @@
           <a:bodyPr/>
           <a:lstStyle/>
           <a:p>
-            <a:fld id="{8763F5E6-13B0-4B16-9BFA-041881E08076}" type="datetimeFigureOut">
+            <a:fld id="{C3FDA72C-55BE-4CC9-AF15-8C2F94430C17}" type="datetimeFigureOut">
               <a:rPr lang="zh-CN" altLang="en-US" smtClean="0"/>
               <a:t>2024/3/10</a:t>
             </a:fld>
@@ -463,7 +463,7 @@
           <p:cNvPr id="5" name="页脚占位符 4">
             <a:extLst>
               <a:ext uri="{FF2B5EF4-FFF2-40B4-BE49-F238E27FC236}">
-                <a16:creationId xmlns:a16="http://schemas.microsoft.com/office/drawing/2014/main" id="{ECC3E41A-150F-3649-3BB3-161670560D9B}"/>
+                <a16:creationId xmlns:a16="http://schemas.microsoft.com/office/drawing/2014/main" id="{E76B4B1E-740D-27D9-AF7E-CEAA452AE808}"/>
               </a:ext>
             </a:extLst>
           </p:cNvPr>
@@ -488,7 +488,7 @@
           <p:cNvPr id="6" name="灯片编号占位符 5">
             <a:extLst>
               <a:ext uri="{FF2B5EF4-FFF2-40B4-BE49-F238E27FC236}">
-                <a16:creationId xmlns:a16="http://schemas.microsoft.com/office/drawing/2014/main" id="{F25D13C9-D4C6-11C5-A44D-6456CF688449}"/>
+                <a16:creationId xmlns:a16="http://schemas.microsoft.com/office/drawing/2014/main" id="{7F187EAE-48BC-C2F0-63B9-EF03A5CD4364}"/>
               </a:ext>
             </a:extLst>
           </p:cNvPr>
@@ -504,7 +504,7 @@
           <a:bodyPr/>
           <a:lstStyle/>
           <a:p>
-            <a:fld id="{4C8AF1B9-8D38-436D-98BD-3A57F03BA794}" type="slidenum">
+            <a:fld id="{D886264A-1306-4D9C-9BE8-32C1F63097C6}" type="slidenum">
               <a:rPr lang="zh-CN" altLang="en-US" smtClean="0"/>
               <a:t>‹#›</a:t>
             </a:fld>
@@ -515,7 +515,7 @@
     </p:spTree>
     <p:extLst>
       <p:ext uri="{BB962C8B-B14F-4D97-AF65-F5344CB8AC3E}">
-        <p14:creationId xmlns:p14="http://schemas.microsoft.com/office/powerpoint/2010/main" val="447319745"/>
+        <p14:creationId xmlns:p14="http://schemas.microsoft.com/office/powerpoint/2010/main" val="2830299582"/>
       </p:ext>
     </p:extLst>
   </p:cSld>
@@ -547,7 +547,7 @@
           <p:cNvPr id="2" name="竖排标题 1">
             <a:extLst>
               <a:ext uri="{FF2B5EF4-FFF2-40B4-BE49-F238E27FC236}">
-                <a16:creationId xmlns:a16="http://schemas.microsoft.com/office/drawing/2014/main" id="{E20C3E08-D6F0-C7FE-74FF-524A43C439FA}"/>
+                <a16:creationId xmlns:a16="http://schemas.microsoft.com/office/drawing/2014/main" id="{5998D5F9-39F2-0A04-A4B2-2DF1C5E4B94B}"/>
               </a:ext>
             </a:extLst>
           </p:cNvPr>
@@ -580,7 +580,7 @@
           <p:cNvPr id="3" name="竖排文字占位符 2">
             <a:extLst>
               <a:ext uri="{FF2B5EF4-FFF2-40B4-BE49-F238E27FC236}">
-                <a16:creationId xmlns:a16="http://schemas.microsoft.com/office/drawing/2014/main" id="{D4BF0436-112B-B9A7-3D8E-0818877273BC}"/>
+                <a16:creationId xmlns:a16="http://schemas.microsoft.com/office/drawing/2014/main" id="{F1BF4A47-352D-3424-645B-7483D60F4522}"/>
               </a:ext>
             </a:extLst>
           </p:cNvPr>
@@ -642,7 +642,7 @@
           <p:cNvPr id="4" name="日期占位符 3">
             <a:extLst>
               <a:ext uri="{FF2B5EF4-FFF2-40B4-BE49-F238E27FC236}">
-                <a16:creationId xmlns:a16="http://schemas.microsoft.com/office/drawing/2014/main" id="{A39CC93F-0D2C-8A62-62F0-B63B628BA751}"/>
+                <a16:creationId xmlns:a16="http://schemas.microsoft.com/office/drawing/2014/main" id="{0FA192E0-64D3-1E94-06B7-0ADFE900DCD4}"/>
               </a:ext>
             </a:extLst>
           </p:cNvPr>
@@ -658,7 +658,7 @@
           <a:bodyPr/>
           <a:lstStyle/>
           <a:p>
-            <a:fld id="{8763F5E6-13B0-4B16-9BFA-041881E08076}" type="datetimeFigureOut">
+            <a:fld id="{C3FDA72C-55BE-4CC9-AF15-8C2F94430C17}" type="datetimeFigureOut">
               <a:rPr lang="zh-CN" altLang="en-US" smtClean="0"/>
               <a:t>2024/3/10</a:t>
             </a:fld>
@@ -671,7 +671,7 @@
           <p:cNvPr id="5" name="页脚占位符 4">
             <a:extLst>
               <a:ext uri="{FF2B5EF4-FFF2-40B4-BE49-F238E27FC236}">
-                <a16:creationId xmlns:a16="http://schemas.microsoft.com/office/drawing/2014/main" id="{9C883D17-44FE-C374-3AC4-9D03D3B5D917}"/>
+                <a16:creationId xmlns:a16="http://schemas.microsoft.com/office/drawing/2014/main" id="{65E816FE-0A1C-9703-F2A8-87E287BEC1AC}"/>
               </a:ext>
             </a:extLst>
           </p:cNvPr>
@@ -696,7 +696,7 @@
           <p:cNvPr id="6" name="灯片编号占位符 5">
             <a:extLst>
               <a:ext uri="{FF2B5EF4-FFF2-40B4-BE49-F238E27FC236}">
-                <a16:creationId xmlns:a16="http://schemas.microsoft.com/office/drawing/2014/main" id="{298BE582-EA39-1010-473A-055192D20626}"/>
+                <a16:creationId xmlns:a16="http://schemas.microsoft.com/office/drawing/2014/main" id="{D329333B-3E5B-2980-E079-D9F250E0FF6C}"/>
               </a:ext>
             </a:extLst>
           </p:cNvPr>
@@ -712,7 +712,7 @@
           <a:bodyPr/>
           <a:lstStyle/>
           <a:p>
-            <a:fld id="{4C8AF1B9-8D38-436D-98BD-3A57F03BA794}" type="slidenum">
+            <a:fld id="{D886264A-1306-4D9C-9BE8-32C1F63097C6}" type="slidenum">
               <a:rPr lang="zh-CN" altLang="en-US" smtClean="0"/>
               <a:t>‹#›</a:t>
             </a:fld>
@@ -723,7 +723,7 @@
     </p:spTree>
     <p:extLst>
       <p:ext uri="{BB962C8B-B14F-4D97-AF65-F5344CB8AC3E}">
-        <p14:creationId xmlns:p14="http://schemas.microsoft.com/office/powerpoint/2010/main" val="1780867513"/>
+        <p14:creationId xmlns:p14="http://schemas.microsoft.com/office/powerpoint/2010/main" val="2561979680"/>
       </p:ext>
     </p:extLst>
   </p:cSld>
@@ -755,7 +755,7 @@
           <p:cNvPr id="2" name="标题 1">
             <a:extLst>
               <a:ext uri="{FF2B5EF4-FFF2-40B4-BE49-F238E27FC236}">
-                <a16:creationId xmlns:a16="http://schemas.microsoft.com/office/drawing/2014/main" id="{1191AB2E-C309-94EF-D73B-D0F174384EFB}"/>
+                <a16:creationId xmlns:a16="http://schemas.microsoft.com/office/drawing/2014/main" id="{0B52FDAC-81D6-A811-0B72-48CB03E8F4A3}"/>
               </a:ext>
             </a:extLst>
           </p:cNvPr>
@@ -783,7 +783,7 @@
           <p:cNvPr id="3" name="内容占位符 2">
             <a:extLst>
               <a:ext uri="{FF2B5EF4-FFF2-40B4-BE49-F238E27FC236}">
-                <a16:creationId xmlns:a16="http://schemas.microsoft.com/office/drawing/2014/main" id="{80608068-8560-8C29-E250-66DD7F95C711}"/>
+                <a16:creationId xmlns:a16="http://schemas.microsoft.com/office/drawing/2014/main" id="{34B6A97E-5C70-5E1C-4746-3D4DC0B52E78}"/>
               </a:ext>
             </a:extLst>
           </p:cNvPr>
@@ -840,7 +840,7 @@
           <p:cNvPr id="4" name="日期占位符 3">
             <a:extLst>
               <a:ext uri="{FF2B5EF4-FFF2-40B4-BE49-F238E27FC236}">
-                <a16:creationId xmlns:a16="http://schemas.microsoft.com/office/drawing/2014/main" id="{57E2F6A4-B62B-1844-0A03-A604EEC341A3}"/>
+                <a16:creationId xmlns:a16="http://schemas.microsoft.com/office/drawing/2014/main" id="{92082D6C-6A49-B28B-8F24-8733946CF077}"/>
               </a:ext>
             </a:extLst>
           </p:cNvPr>
@@ -856,7 +856,7 @@
           <a:bodyPr/>
           <a:lstStyle/>
           <a:p>
-            <a:fld id="{8763F5E6-13B0-4B16-9BFA-041881E08076}" type="datetimeFigureOut">
+            <a:fld id="{C3FDA72C-55BE-4CC9-AF15-8C2F94430C17}" type="datetimeFigureOut">
               <a:rPr lang="zh-CN" altLang="en-US" smtClean="0"/>
               <a:t>2024/3/10</a:t>
             </a:fld>
@@ -869,7 +869,7 @@
           <p:cNvPr id="5" name="页脚占位符 4">
             <a:extLst>
               <a:ext uri="{FF2B5EF4-FFF2-40B4-BE49-F238E27FC236}">
-                <a16:creationId xmlns:a16="http://schemas.microsoft.com/office/drawing/2014/main" id="{9C004DD1-543C-40D3-6C77-8949EB77B513}"/>
+                <a16:creationId xmlns:a16="http://schemas.microsoft.com/office/drawing/2014/main" id="{E8348E00-B964-916F-E977-3BBEC9FDDBAA}"/>
               </a:ext>
             </a:extLst>
           </p:cNvPr>
@@ -894,7 +894,7 @@
           <p:cNvPr id="6" name="灯片编号占位符 5">
             <a:extLst>
               <a:ext uri="{FF2B5EF4-FFF2-40B4-BE49-F238E27FC236}">
-                <a16:creationId xmlns:a16="http://schemas.microsoft.com/office/drawing/2014/main" id="{70DD9D3A-4DFA-0883-03D7-E4CFA350633C}"/>
+                <a16:creationId xmlns:a16="http://schemas.microsoft.com/office/drawing/2014/main" id="{F4105964-CE2E-9092-51EF-523427A46E73}"/>
               </a:ext>
             </a:extLst>
           </p:cNvPr>
@@ -910,7 +910,7 @@
           <a:bodyPr/>
           <a:lstStyle/>
           <a:p>
-            <a:fld id="{4C8AF1B9-8D38-436D-98BD-3A57F03BA794}" type="slidenum">
+            <a:fld id="{D886264A-1306-4D9C-9BE8-32C1F63097C6}" type="slidenum">
               <a:rPr lang="zh-CN" altLang="en-US" smtClean="0"/>
               <a:t>‹#›</a:t>
             </a:fld>
@@ -921,7 +921,7 @@
     </p:spTree>
     <p:extLst>
       <p:ext uri="{BB962C8B-B14F-4D97-AF65-F5344CB8AC3E}">
-        <p14:creationId xmlns:p14="http://schemas.microsoft.com/office/powerpoint/2010/main" val="1842395158"/>
+        <p14:creationId xmlns:p14="http://schemas.microsoft.com/office/powerpoint/2010/main" val="3521061621"/>
       </p:ext>
     </p:extLst>
   </p:cSld>
@@ -953,7 +953,7 @@
           <p:cNvPr id="2" name="标题 1">
             <a:extLst>
               <a:ext uri="{FF2B5EF4-FFF2-40B4-BE49-F238E27FC236}">
-                <a16:creationId xmlns:a16="http://schemas.microsoft.com/office/drawing/2014/main" id="{112F1AE4-812B-6550-C3C5-E212F5FB6A55}"/>
+                <a16:creationId xmlns:a16="http://schemas.microsoft.com/office/drawing/2014/main" id="{65F21E8B-FCFC-E9BC-DAE0-31A72D928D97}"/>
               </a:ext>
             </a:extLst>
           </p:cNvPr>
@@ -990,7 +990,7 @@
           <p:cNvPr id="3" name="文本占位符 2">
             <a:extLst>
               <a:ext uri="{FF2B5EF4-FFF2-40B4-BE49-F238E27FC236}">
-                <a16:creationId xmlns:a16="http://schemas.microsoft.com/office/drawing/2014/main" id="{A1D048EE-6ECE-C045-09ED-90496C564352}"/>
+                <a16:creationId xmlns:a16="http://schemas.microsoft.com/office/drawing/2014/main" id="{11D489E0-345F-C92A-AA14-0DFE170CB5DB}"/>
               </a:ext>
             </a:extLst>
           </p:cNvPr>
@@ -1115,7 +1115,7 @@
           <p:cNvPr id="4" name="日期占位符 3">
             <a:extLst>
               <a:ext uri="{FF2B5EF4-FFF2-40B4-BE49-F238E27FC236}">
-                <a16:creationId xmlns:a16="http://schemas.microsoft.com/office/drawing/2014/main" id="{284726CD-FA45-0588-4CFE-8ADB79970CCE}"/>
+                <a16:creationId xmlns:a16="http://schemas.microsoft.com/office/drawing/2014/main" id="{3B268DB2-FB8F-3E62-4B33-6D4E8AB59A93}"/>
               </a:ext>
             </a:extLst>
           </p:cNvPr>
@@ -1131,7 +1131,7 @@
           <a:bodyPr/>
           <a:lstStyle/>
           <a:p>
-            <a:fld id="{8763F5E6-13B0-4B16-9BFA-041881E08076}" type="datetimeFigureOut">
+            <a:fld id="{C3FDA72C-55BE-4CC9-AF15-8C2F94430C17}" type="datetimeFigureOut">
               <a:rPr lang="zh-CN" altLang="en-US" smtClean="0"/>
               <a:t>2024/3/10</a:t>
             </a:fld>
@@ -1144,7 +1144,7 @@
           <p:cNvPr id="5" name="页脚占位符 4">
             <a:extLst>
               <a:ext uri="{FF2B5EF4-FFF2-40B4-BE49-F238E27FC236}">
-                <a16:creationId xmlns:a16="http://schemas.microsoft.com/office/drawing/2014/main" id="{3BA9535B-D4BD-6BE4-15E6-F3A6BE4C6002}"/>
+                <a16:creationId xmlns:a16="http://schemas.microsoft.com/office/drawing/2014/main" id="{7848264E-15AF-9378-48B7-4C0279DDA424}"/>
               </a:ext>
             </a:extLst>
           </p:cNvPr>
@@ -1169,7 +1169,7 @@
           <p:cNvPr id="6" name="灯片编号占位符 5">
             <a:extLst>
               <a:ext uri="{FF2B5EF4-FFF2-40B4-BE49-F238E27FC236}">
-                <a16:creationId xmlns:a16="http://schemas.microsoft.com/office/drawing/2014/main" id="{53C49EAA-A30D-6E71-786D-5740B0C83C9E}"/>
+                <a16:creationId xmlns:a16="http://schemas.microsoft.com/office/drawing/2014/main" id="{0ED3F0FD-860C-2CB3-8BC8-2D7936D470B4}"/>
               </a:ext>
             </a:extLst>
           </p:cNvPr>
@@ -1185,7 +1185,7 @@
           <a:bodyPr/>
           <a:lstStyle/>
           <a:p>
-            <a:fld id="{4C8AF1B9-8D38-436D-98BD-3A57F03BA794}" type="slidenum">
+            <a:fld id="{D886264A-1306-4D9C-9BE8-32C1F63097C6}" type="slidenum">
               <a:rPr lang="zh-CN" altLang="en-US" smtClean="0"/>
               <a:t>‹#›</a:t>
             </a:fld>
@@ -1196,7 +1196,7 @@
     </p:spTree>
     <p:extLst>
       <p:ext uri="{BB962C8B-B14F-4D97-AF65-F5344CB8AC3E}">
-        <p14:creationId xmlns:p14="http://schemas.microsoft.com/office/powerpoint/2010/main" val="3089253105"/>
+        <p14:creationId xmlns:p14="http://schemas.microsoft.com/office/powerpoint/2010/main" val="2609438170"/>
       </p:ext>
     </p:extLst>
   </p:cSld>
@@ -1228,7 +1228,7 @@
           <p:cNvPr id="2" name="标题 1">
             <a:extLst>
               <a:ext uri="{FF2B5EF4-FFF2-40B4-BE49-F238E27FC236}">
-                <a16:creationId xmlns:a16="http://schemas.microsoft.com/office/drawing/2014/main" id="{DFD0E000-1747-85B3-4FF1-ABD97146A25A}"/>
+                <a16:creationId xmlns:a16="http://schemas.microsoft.com/office/drawing/2014/main" id="{B6BFB13C-DAA2-74D3-29E8-2D6F4607C1FE}"/>
               </a:ext>
             </a:extLst>
           </p:cNvPr>
@@ -1256,7 +1256,7 @@
           <p:cNvPr id="3" name="内容占位符 2">
             <a:extLst>
               <a:ext uri="{FF2B5EF4-FFF2-40B4-BE49-F238E27FC236}">
-                <a16:creationId xmlns:a16="http://schemas.microsoft.com/office/drawing/2014/main" id="{8A833725-8E1E-0299-A590-7E899CE7F0AB}"/>
+                <a16:creationId xmlns:a16="http://schemas.microsoft.com/office/drawing/2014/main" id="{67A8A4D2-593F-5DCD-B826-3B3CFFB87873}"/>
               </a:ext>
             </a:extLst>
           </p:cNvPr>
@@ -1318,7 +1318,7 @@
           <p:cNvPr id="4" name="内容占位符 3">
             <a:extLst>
               <a:ext uri="{FF2B5EF4-FFF2-40B4-BE49-F238E27FC236}">
-                <a16:creationId xmlns:a16="http://schemas.microsoft.com/office/drawing/2014/main" id="{E328D3DC-19C7-2128-6EE7-F233F9C805E8}"/>
+                <a16:creationId xmlns:a16="http://schemas.microsoft.com/office/drawing/2014/main" id="{D9DBCC39-A96E-77F8-15AA-7E8CFD003EC0}"/>
               </a:ext>
             </a:extLst>
           </p:cNvPr>
@@ -1380,7 +1380,7 @@
           <p:cNvPr id="5" name="日期占位符 4">
             <a:extLst>
               <a:ext uri="{FF2B5EF4-FFF2-40B4-BE49-F238E27FC236}">
-                <a16:creationId xmlns:a16="http://schemas.microsoft.com/office/drawing/2014/main" id="{7737366A-E467-2C7B-1A60-790C0D7CC816}"/>
+                <a16:creationId xmlns:a16="http://schemas.microsoft.com/office/drawing/2014/main" id="{33CA0CCA-8803-C89D-86F2-D9A95A419055}"/>
               </a:ext>
             </a:extLst>
           </p:cNvPr>
@@ -1396,7 +1396,7 @@
           <a:bodyPr/>
           <a:lstStyle/>
           <a:p>
-            <a:fld id="{8763F5E6-13B0-4B16-9BFA-041881E08076}" type="datetimeFigureOut">
+            <a:fld id="{C3FDA72C-55BE-4CC9-AF15-8C2F94430C17}" type="datetimeFigureOut">
               <a:rPr lang="zh-CN" altLang="en-US" smtClean="0"/>
               <a:t>2024/3/10</a:t>
             </a:fld>
@@ -1409,7 +1409,7 @@
           <p:cNvPr id="6" name="页脚占位符 5">
             <a:extLst>
               <a:ext uri="{FF2B5EF4-FFF2-40B4-BE49-F238E27FC236}">
-                <a16:creationId xmlns:a16="http://schemas.microsoft.com/office/drawing/2014/main" id="{75681B7C-2A61-4028-0521-1F9BB52133F0}"/>
+                <a16:creationId xmlns:a16="http://schemas.microsoft.com/office/drawing/2014/main" id="{00BEB9FE-71A3-FDBA-97FF-3D5A0C8D6543}"/>
               </a:ext>
             </a:extLst>
           </p:cNvPr>
@@ -1434,7 +1434,7 @@
           <p:cNvPr id="7" name="灯片编号占位符 6">
             <a:extLst>
               <a:ext uri="{FF2B5EF4-FFF2-40B4-BE49-F238E27FC236}">
-                <a16:creationId xmlns:a16="http://schemas.microsoft.com/office/drawing/2014/main" id="{9515D755-026B-A55D-E7C6-0803F053C967}"/>
+                <a16:creationId xmlns:a16="http://schemas.microsoft.com/office/drawing/2014/main" id="{0315B62C-36AD-CCB0-E44D-7ADC73221D43}"/>
               </a:ext>
             </a:extLst>
           </p:cNvPr>
@@ -1450,7 +1450,7 @@
           <a:bodyPr/>
           <a:lstStyle/>
           <a:p>
-            <a:fld id="{4C8AF1B9-8D38-436D-98BD-3A57F03BA794}" type="slidenum">
+            <a:fld id="{D886264A-1306-4D9C-9BE8-32C1F63097C6}" type="slidenum">
               <a:rPr lang="zh-CN" altLang="en-US" smtClean="0"/>
               <a:t>‹#›</a:t>
             </a:fld>
@@ -1461,7 +1461,7 @@
     </p:spTree>
     <p:extLst>
       <p:ext uri="{BB962C8B-B14F-4D97-AF65-F5344CB8AC3E}">
-        <p14:creationId xmlns:p14="http://schemas.microsoft.com/office/powerpoint/2010/main" val="3148622249"/>
+        <p14:creationId xmlns:p14="http://schemas.microsoft.com/office/powerpoint/2010/main" val="3321828019"/>
       </p:ext>
     </p:extLst>
   </p:cSld>
@@ -1493,7 +1493,7 @@
           <p:cNvPr id="2" name="标题 1">
             <a:extLst>
               <a:ext uri="{FF2B5EF4-FFF2-40B4-BE49-F238E27FC236}">
-                <a16:creationId xmlns:a16="http://schemas.microsoft.com/office/drawing/2014/main" id="{F2632297-F2AC-E8C4-51AC-64BD838345CE}"/>
+                <a16:creationId xmlns:a16="http://schemas.microsoft.com/office/drawing/2014/main" id="{5088ACEF-FC36-2E59-F87E-513E558647A6}"/>
               </a:ext>
             </a:extLst>
           </p:cNvPr>
@@ -1526,7 +1526,7 @@
           <p:cNvPr id="3" name="文本占位符 2">
             <a:extLst>
               <a:ext uri="{FF2B5EF4-FFF2-40B4-BE49-F238E27FC236}">
-                <a16:creationId xmlns:a16="http://schemas.microsoft.com/office/drawing/2014/main" id="{9B190356-FDC5-741A-A577-B91F25E12D03}"/>
+                <a16:creationId xmlns:a16="http://schemas.microsoft.com/office/drawing/2014/main" id="{6B1568AC-436D-561D-6A50-55CBCCE99E4A}"/>
               </a:ext>
             </a:extLst>
           </p:cNvPr>
@@ -1597,7 +1597,7 @@
           <p:cNvPr id="4" name="内容占位符 3">
             <a:extLst>
               <a:ext uri="{FF2B5EF4-FFF2-40B4-BE49-F238E27FC236}">
-                <a16:creationId xmlns:a16="http://schemas.microsoft.com/office/drawing/2014/main" id="{E71617EA-3399-99C3-3286-696FC18F45FC}"/>
+                <a16:creationId xmlns:a16="http://schemas.microsoft.com/office/drawing/2014/main" id="{6F5F751C-9649-31CE-815D-3C0CBA171EB1}"/>
               </a:ext>
             </a:extLst>
           </p:cNvPr>
@@ -1659,7 +1659,7 @@
           <p:cNvPr id="5" name="文本占位符 4">
             <a:extLst>
               <a:ext uri="{FF2B5EF4-FFF2-40B4-BE49-F238E27FC236}">
-                <a16:creationId xmlns:a16="http://schemas.microsoft.com/office/drawing/2014/main" id="{96B960C5-DCD9-A755-E5AA-AA9681815897}"/>
+                <a16:creationId xmlns:a16="http://schemas.microsoft.com/office/drawing/2014/main" id="{1C49EB8F-880D-89DF-8335-DB3609924954}"/>
               </a:ext>
             </a:extLst>
           </p:cNvPr>
@@ -1730,7 +1730,7 @@
           <p:cNvPr id="6" name="内容占位符 5">
             <a:extLst>
               <a:ext uri="{FF2B5EF4-FFF2-40B4-BE49-F238E27FC236}">
-                <a16:creationId xmlns:a16="http://schemas.microsoft.com/office/drawing/2014/main" id="{1787BF23-6379-4BFA-88F5-6450CCD20630}"/>
+                <a16:creationId xmlns:a16="http://schemas.microsoft.com/office/drawing/2014/main" id="{F622ABEB-CDD4-ADE5-A691-D9E04FABD791}"/>
               </a:ext>
             </a:extLst>
           </p:cNvPr>
@@ -1792,7 +1792,7 @@
           <p:cNvPr id="7" name="日期占位符 6">
             <a:extLst>
               <a:ext uri="{FF2B5EF4-FFF2-40B4-BE49-F238E27FC236}">
-                <a16:creationId xmlns:a16="http://schemas.microsoft.com/office/drawing/2014/main" id="{0E0EFDAE-0063-0391-D4D5-92F86DAF0933}"/>
+                <a16:creationId xmlns:a16="http://schemas.microsoft.com/office/drawing/2014/main" id="{67E7E250-3830-C1EF-8B7D-8379630FB433}"/>
               </a:ext>
             </a:extLst>
           </p:cNvPr>
@@ -1808,7 +1808,7 @@
           <a:bodyPr/>
           <a:lstStyle/>
           <a:p>
-            <a:fld id="{8763F5E6-13B0-4B16-9BFA-041881E08076}" type="datetimeFigureOut">
+            <a:fld id="{C3FDA72C-55BE-4CC9-AF15-8C2F94430C17}" type="datetimeFigureOut">
               <a:rPr lang="zh-CN" altLang="en-US" smtClean="0"/>
               <a:t>2024/3/10</a:t>
             </a:fld>
@@ -1821,7 +1821,7 @@
           <p:cNvPr id="8" name="页脚占位符 7">
             <a:extLst>
               <a:ext uri="{FF2B5EF4-FFF2-40B4-BE49-F238E27FC236}">
-                <a16:creationId xmlns:a16="http://schemas.microsoft.com/office/drawing/2014/main" id="{B9488B1D-C2B1-413C-D726-8CD8765F1058}"/>
+                <a16:creationId xmlns:a16="http://schemas.microsoft.com/office/drawing/2014/main" id="{D2CE6A43-7398-3E63-61CC-7B7E58075BF3}"/>
               </a:ext>
             </a:extLst>
           </p:cNvPr>
@@ -1846,7 +1846,7 @@
           <p:cNvPr id="9" name="灯片编号占位符 8">
             <a:extLst>
               <a:ext uri="{FF2B5EF4-FFF2-40B4-BE49-F238E27FC236}">
-                <a16:creationId xmlns:a16="http://schemas.microsoft.com/office/drawing/2014/main" id="{74D76AD4-256D-37CA-63E3-9930A8BC500A}"/>
+                <a16:creationId xmlns:a16="http://schemas.microsoft.com/office/drawing/2014/main" id="{CE906964-3500-4CCF-E7E1-6D6F11A0764F}"/>
               </a:ext>
             </a:extLst>
           </p:cNvPr>
@@ -1862,7 +1862,7 @@
           <a:bodyPr/>
           <a:lstStyle/>
           <a:p>
-            <a:fld id="{4C8AF1B9-8D38-436D-98BD-3A57F03BA794}" type="slidenum">
+            <a:fld id="{D886264A-1306-4D9C-9BE8-32C1F63097C6}" type="slidenum">
               <a:rPr lang="zh-CN" altLang="en-US" smtClean="0"/>
               <a:t>‹#›</a:t>
             </a:fld>
@@ -1873,7 +1873,7 @@
     </p:spTree>
     <p:extLst>
       <p:ext uri="{BB962C8B-B14F-4D97-AF65-F5344CB8AC3E}">
-        <p14:creationId xmlns:p14="http://schemas.microsoft.com/office/powerpoint/2010/main" val="2228315764"/>
+        <p14:creationId xmlns:p14="http://schemas.microsoft.com/office/powerpoint/2010/main" val="2207396923"/>
       </p:ext>
     </p:extLst>
   </p:cSld>
@@ -1905,7 +1905,7 @@
           <p:cNvPr id="2" name="标题 1">
             <a:extLst>
               <a:ext uri="{FF2B5EF4-FFF2-40B4-BE49-F238E27FC236}">
-                <a16:creationId xmlns:a16="http://schemas.microsoft.com/office/drawing/2014/main" id="{E62F731F-6C6E-9A57-E6D0-AB3D37DD628A}"/>
+                <a16:creationId xmlns:a16="http://schemas.microsoft.com/office/drawing/2014/main" id="{337902D0-9991-AF4F-2966-A3C1AEADFB8D}"/>
               </a:ext>
             </a:extLst>
           </p:cNvPr>
@@ -1933,7 +1933,7 @@
           <p:cNvPr id="3" name="日期占位符 2">
             <a:extLst>
               <a:ext uri="{FF2B5EF4-FFF2-40B4-BE49-F238E27FC236}">
-                <a16:creationId xmlns:a16="http://schemas.microsoft.com/office/drawing/2014/main" id="{BEBFC7F8-4D26-471F-E06D-DED8F6AC2832}"/>
+                <a16:creationId xmlns:a16="http://schemas.microsoft.com/office/drawing/2014/main" id="{0E9B0D00-F157-ADF9-EA7A-18F551AC039B}"/>
               </a:ext>
             </a:extLst>
           </p:cNvPr>
@@ -1949,7 +1949,7 @@
           <a:bodyPr/>
           <a:lstStyle/>
           <a:p>
-            <a:fld id="{8763F5E6-13B0-4B16-9BFA-041881E08076}" type="datetimeFigureOut">
+            <a:fld id="{C3FDA72C-55BE-4CC9-AF15-8C2F94430C17}" type="datetimeFigureOut">
               <a:rPr lang="zh-CN" altLang="en-US" smtClean="0"/>
               <a:t>2024/3/10</a:t>
             </a:fld>
@@ -1962,7 +1962,7 @@
           <p:cNvPr id="4" name="页脚占位符 3">
             <a:extLst>
               <a:ext uri="{FF2B5EF4-FFF2-40B4-BE49-F238E27FC236}">
-                <a16:creationId xmlns:a16="http://schemas.microsoft.com/office/drawing/2014/main" id="{7518BF0E-BCBC-ABF3-6F0F-418D5D0BB174}"/>
+                <a16:creationId xmlns:a16="http://schemas.microsoft.com/office/drawing/2014/main" id="{036ECB16-3CE8-82AF-1559-EE1D24DC6430}"/>
               </a:ext>
             </a:extLst>
           </p:cNvPr>
@@ -1987,7 +1987,7 @@
           <p:cNvPr id="5" name="灯片编号占位符 4">
             <a:extLst>
               <a:ext uri="{FF2B5EF4-FFF2-40B4-BE49-F238E27FC236}">
-                <a16:creationId xmlns:a16="http://schemas.microsoft.com/office/drawing/2014/main" id="{11EAE450-903A-4BEF-B3D4-E5E554D524CE}"/>
+                <a16:creationId xmlns:a16="http://schemas.microsoft.com/office/drawing/2014/main" id="{C41802C7-7BEC-CE59-10A9-04706E6F2CF5}"/>
               </a:ext>
             </a:extLst>
           </p:cNvPr>
@@ -2003,7 +2003,7 @@
           <a:bodyPr/>
           <a:lstStyle/>
           <a:p>
-            <a:fld id="{4C8AF1B9-8D38-436D-98BD-3A57F03BA794}" type="slidenum">
+            <a:fld id="{D886264A-1306-4D9C-9BE8-32C1F63097C6}" type="slidenum">
               <a:rPr lang="zh-CN" altLang="en-US" smtClean="0"/>
               <a:t>‹#›</a:t>
             </a:fld>
@@ -2014,7 +2014,7 @@
     </p:spTree>
     <p:extLst>
       <p:ext uri="{BB962C8B-B14F-4D97-AF65-F5344CB8AC3E}">
-        <p14:creationId xmlns:p14="http://schemas.microsoft.com/office/powerpoint/2010/main" val="1428380689"/>
+        <p14:creationId xmlns:p14="http://schemas.microsoft.com/office/powerpoint/2010/main" val="4044579567"/>
       </p:ext>
     </p:extLst>
   </p:cSld>
@@ -2046,7 +2046,7 @@
           <p:cNvPr id="2" name="日期占位符 1">
             <a:extLst>
               <a:ext uri="{FF2B5EF4-FFF2-40B4-BE49-F238E27FC236}">
-                <a16:creationId xmlns:a16="http://schemas.microsoft.com/office/drawing/2014/main" id="{D4891FA4-93C1-8599-70AF-DD7BA3F70466}"/>
+                <a16:creationId xmlns:a16="http://schemas.microsoft.com/office/drawing/2014/main" id="{FF687B72-4162-0398-3FE9-41CC9F3E1679}"/>
               </a:ext>
             </a:extLst>
           </p:cNvPr>
@@ -2062,7 +2062,7 @@
           <a:bodyPr/>
           <a:lstStyle/>
           <a:p>
-            <a:fld id="{8763F5E6-13B0-4B16-9BFA-041881E08076}" type="datetimeFigureOut">
+            <a:fld id="{C3FDA72C-55BE-4CC9-AF15-8C2F94430C17}" type="datetimeFigureOut">
               <a:rPr lang="zh-CN" altLang="en-US" smtClean="0"/>
               <a:t>2024/3/10</a:t>
             </a:fld>
@@ -2075,7 +2075,7 @@
           <p:cNvPr id="3" name="页脚占位符 2">
             <a:extLst>
               <a:ext uri="{FF2B5EF4-FFF2-40B4-BE49-F238E27FC236}">
-                <a16:creationId xmlns:a16="http://schemas.microsoft.com/office/drawing/2014/main" id="{FFF894F0-5189-CEFF-F585-FEE8C56B2467}"/>
+                <a16:creationId xmlns:a16="http://schemas.microsoft.com/office/drawing/2014/main" id="{BC11FD93-FF10-56CC-C563-4E4F6AE2CF06}"/>
               </a:ext>
             </a:extLst>
           </p:cNvPr>
@@ -2100,7 +2100,7 @@
           <p:cNvPr id="4" name="灯片编号占位符 3">
             <a:extLst>
               <a:ext uri="{FF2B5EF4-FFF2-40B4-BE49-F238E27FC236}">
-                <a16:creationId xmlns:a16="http://schemas.microsoft.com/office/drawing/2014/main" id="{462B89C7-2144-6D65-499C-E57886F542A9}"/>
+                <a16:creationId xmlns:a16="http://schemas.microsoft.com/office/drawing/2014/main" id="{EA650B83-6348-D184-52D5-348D85A88E02}"/>
               </a:ext>
             </a:extLst>
           </p:cNvPr>
@@ -2116,7 +2116,7 @@
           <a:bodyPr/>
           <a:lstStyle/>
           <a:p>
-            <a:fld id="{4C8AF1B9-8D38-436D-98BD-3A57F03BA794}" type="slidenum">
+            <a:fld id="{D886264A-1306-4D9C-9BE8-32C1F63097C6}" type="slidenum">
               <a:rPr lang="zh-CN" altLang="en-US" smtClean="0"/>
               <a:t>‹#›</a:t>
             </a:fld>
@@ -2127,7 +2127,7 @@
     </p:spTree>
     <p:extLst>
       <p:ext uri="{BB962C8B-B14F-4D97-AF65-F5344CB8AC3E}">
-        <p14:creationId xmlns:p14="http://schemas.microsoft.com/office/powerpoint/2010/main" val="3700541866"/>
+        <p14:creationId xmlns:p14="http://schemas.microsoft.com/office/powerpoint/2010/main" val="1964600718"/>
       </p:ext>
     </p:extLst>
   </p:cSld>
@@ -2159,7 +2159,7 @@
           <p:cNvPr id="2" name="标题 1">
             <a:extLst>
               <a:ext uri="{FF2B5EF4-FFF2-40B4-BE49-F238E27FC236}">
-                <a16:creationId xmlns:a16="http://schemas.microsoft.com/office/drawing/2014/main" id="{FE03258C-C770-A69D-BC21-F9AD2661A49C}"/>
+                <a16:creationId xmlns:a16="http://schemas.microsoft.com/office/drawing/2014/main" id="{B854E56C-2520-7A17-CAC0-08FDCF8075C9}"/>
               </a:ext>
             </a:extLst>
           </p:cNvPr>
@@ -2196,7 +2196,7 @@
           <p:cNvPr id="3" name="内容占位符 2">
             <a:extLst>
               <a:ext uri="{FF2B5EF4-FFF2-40B4-BE49-F238E27FC236}">
-                <a16:creationId xmlns:a16="http://schemas.microsoft.com/office/drawing/2014/main" id="{B40BA66C-2331-D264-7A79-43B3715AD739}"/>
+                <a16:creationId xmlns:a16="http://schemas.microsoft.com/office/drawing/2014/main" id="{ED5731AD-8CE9-C199-1F3F-4360B9FA0908}"/>
               </a:ext>
             </a:extLst>
           </p:cNvPr>
@@ -2286,7 +2286,7 @@
           <p:cNvPr id="4" name="文本占位符 3">
             <a:extLst>
               <a:ext uri="{FF2B5EF4-FFF2-40B4-BE49-F238E27FC236}">
-                <a16:creationId xmlns:a16="http://schemas.microsoft.com/office/drawing/2014/main" id="{0CDFDC23-087C-7025-27AC-35D834F232D5}"/>
+                <a16:creationId xmlns:a16="http://schemas.microsoft.com/office/drawing/2014/main" id="{C495C48E-D722-8779-86C3-DED1BB6873B4}"/>
               </a:ext>
             </a:extLst>
           </p:cNvPr>
@@ -2357,7 +2357,7 @@
           <p:cNvPr id="5" name="日期占位符 4">
             <a:extLst>
               <a:ext uri="{FF2B5EF4-FFF2-40B4-BE49-F238E27FC236}">
-                <a16:creationId xmlns:a16="http://schemas.microsoft.com/office/drawing/2014/main" id="{21E41AE3-552A-033B-AE4C-D439A904A801}"/>
+                <a16:creationId xmlns:a16="http://schemas.microsoft.com/office/drawing/2014/main" id="{3FFC2EA2-D660-D9E5-67EB-A56F3E60F529}"/>
               </a:ext>
             </a:extLst>
           </p:cNvPr>
@@ -2373,7 +2373,7 @@
           <a:bodyPr/>
           <a:lstStyle/>
           <a:p>
-            <a:fld id="{8763F5E6-13B0-4B16-9BFA-041881E08076}" type="datetimeFigureOut">
+            <a:fld id="{C3FDA72C-55BE-4CC9-AF15-8C2F94430C17}" type="datetimeFigureOut">
               <a:rPr lang="zh-CN" altLang="en-US" smtClean="0"/>
               <a:t>2024/3/10</a:t>
             </a:fld>
@@ -2386,7 +2386,7 @@
           <p:cNvPr id="6" name="页脚占位符 5">
             <a:extLst>
               <a:ext uri="{FF2B5EF4-FFF2-40B4-BE49-F238E27FC236}">
-                <a16:creationId xmlns:a16="http://schemas.microsoft.com/office/drawing/2014/main" id="{1AC9F988-194D-F74F-888C-53B2078C450C}"/>
+                <a16:creationId xmlns:a16="http://schemas.microsoft.com/office/drawing/2014/main" id="{4D8EAB34-6206-F788-73A3-7F0787412EC7}"/>
               </a:ext>
             </a:extLst>
           </p:cNvPr>
@@ -2411,7 +2411,7 @@
           <p:cNvPr id="7" name="灯片编号占位符 6">
             <a:extLst>
               <a:ext uri="{FF2B5EF4-FFF2-40B4-BE49-F238E27FC236}">
-                <a16:creationId xmlns:a16="http://schemas.microsoft.com/office/drawing/2014/main" id="{3EDC7F0F-7F79-2FB1-ABA8-722E66C5F34E}"/>
+                <a16:creationId xmlns:a16="http://schemas.microsoft.com/office/drawing/2014/main" id="{434DD022-CCEA-BFB8-8D23-EBD6FBCF56D1}"/>
               </a:ext>
             </a:extLst>
           </p:cNvPr>
@@ -2427,7 +2427,7 @@
           <a:bodyPr/>
           <a:lstStyle/>
           <a:p>
-            <a:fld id="{4C8AF1B9-8D38-436D-98BD-3A57F03BA794}" type="slidenum">
+            <a:fld id="{D886264A-1306-4D9C-9BE8-32C1F63097C6}" type="slidenum">
               <a:rPr lang="zh-CN" altLang="en-US" smtClean="0"/>
               <a:t>‹#›</a:t>
             </a:fld>
@@ -2438,7 +2438,7 @@
     </p:spTree>
     <p:extLst>
       <p:ext uri="{BB962C8B-B14F-4D97-AF65-F5344CB8AC3E}">
-        <p14:creationId xmlns:p14="http://schemas.microsoft.com/office/powerpoint/2010/main" val="3885226633"/>
+        <p14:creationId xmlns:p14="http://schemas.microsoft.com/office/powerpoint/2010/main" val="4102387822"/>
       </p:ext>
     </p:extLst>
   </p:cSld>
@@ -2470,7 +2470,7 @@
           <p:cNvPr id="2" name="标题 1">
             <a:extLst>
               <a:ext uri="{FF2B5EF4-FFF2-40B4-BE49-F238E27FC236}">
-                <a16:creationId xmlns:a16="http://schemas.microsoft.com/office/drawing/2014/main" id="{EEA3FC6B-D888-8E0D-CFC3-DC7C39D29F71}"/>
+                <a16:creationId xmlns:a16="http://schemas.microsoft.com/office/drawing/2014/main" id="{31D2159E-CC96-B05C-81CD-B4F4793E1F93}"/>
               </a:ext>
             </a:extLst>
           </p:cNvPr>
@@ -2507,7 +2507,7 @@
           <p:cNvPr id="3" name="图片占位符 2">
             <a:extLst>
               <a:ext uri="{FF2B5EF4-FFF2-40B4-BE49-F238E27FC236}">
-                <a16:creationId xmlns:a16="http://schemas.microsoft.com/office/drawing/2014/main" id="{6B66922E-538D-53A3-A448-585602602D2A}"/>
+                <a16:creationId xmlns:a16="http://schemas.microsoft.com/office/drawing/2014/main" id="{544AF67C-A6A1-793D-4DCD-87162CCF892F}"/>
               </a:ext>
             </a:extLst>
           </p:cNvPr>
@@ -2574,7 +2574,7 @@
           <p:cNvPr id="4" name="文本占位符 3">
             <a:extLst>
               <a:ext uri="{FF2B5EF4-FFF2-40B4-BE49-F238E27FC236}">
-                <a16:creationId xmlns:a16="http://schemas.microsoft.com/office/drawing/2014/main" id="{EC3A0AF1-5933-EDEB-ACEB-B34BE4FCE20F}"/>
+                <a16:creationId xmlns:a16="http://schemas.microsoft.com/office/drawing/2014/main" id="{52827C62-4100-ADC8-8FF5-20C9CF2AC130}"/>
               </a:ext>
             </a:extLst>
           </p:cNvPr>
@@ -2645,7 +2645,7 @@
           <p:cNvPr id="5" name="日期占位符 4">
             <a:extLst>
               <a:ext uri="{FF2B5EF4-FFF2-40B4-BE49-F238E27FC236}">
-                <a16:creationId xmlns:a16="http://schemas.microsoft.com/office/drawing/2014/main" id="{3FABE596-E3A1-30EB-EDA2-76C6FDD647D6}"/>
+                <a16:creationId xmlns:a16="http://schemas.microsoft.com/office/drawing/2014/main" id="{D3C58AFF-1E0A-9035-6C70-840DF0F5C2E3}"/>
               </a:ext>
             </a:extLst>
           </p:cNvPr>
@@ -2661,7 +2661,7 @@
           <a:bodyPr/>
           <a:lstStyle/>
           <a:p>
-            <a:fld id="{8763F5E6-13B0-4B16-9BFA-041881E08076}" type="datetimeFigureOut">
+            <a:fld id="{C3FDA72C-55BE-4CC9-AF15-8C2F94430C17}" type="datetimeFigureOut">
               <a:rPr lang="zh-CN" altLang="en-US" smtClean="0"/>
               <a:t>2024/3/10</a:t>
             </a:fld>
@@ -2674,7 +2674,7 @@
           <p:cNvPr id="6" name="页脚占位符 5">
             <a:extLst>
               <a:ext uri="{FF2B5EF4-FFF2-40B4-BE49-F238E27FC236}">
-                <a16:creationId xmlns:a16="http://schemas.microsoft.com/office/drawing/2014/main" id="{35DC5809-512D-044E-AC03-80AD3BBCC225}"/>
+                <a16:creationId xmlns:a16="http://schemas.microsoft.com/office/drawing/2014/main" id="{BC7BC203-58B5-0E5E-3E53-14B9D16EF471}"/>
               </a:ext>
             </a:extLst>
           </p:cNvPr>
@@ -2699,7 +2699,7 @@
           <p:cNvPr id="7" name="灯片编号占位符 6">
             <a:extLst>
               <a:ext uri="{FF2B5EF4-FFF2-40B4-BE49-F238E27FC236}">
-                <a16:creationId xmlns:a16="http://schemas.microsoft.com/office/drawing/2014/main" id="{340604B6-A783-5DD2-026F-322B851AA176}"/>
+                <a16:creationId xmlns:a16="http://schemas.microsoft.com/office/drawing/2014/main" id="{F89B3D14-0955-EE57-C63E-C7025A34E887}"/>
               </a:ext>
             </a:extLst>
           </p:cNvPr>
@@ -2715,7 +2715,7 @@
           <a:bodyPr/>
           <a:lstStyle/>
           <a:p>
-            <a:fld id="{4C8AF1B9-8D38-436D-98BD-3A57F03BA794}" type="slidenum">
+            <a:fld id="{D886264A-1306-4D9C-9BE8-32C1F63097C6}" type="slidenum">
               <a:rPr lang="zh-CN" altLang="en-US" smtClean="0"/>
               <a:t>‹#›</a:t>
             </a:fld>
@@ -2726,7 +2726,7 @@
     </p:spTree>
     <p:extLst>
       <p:ext uri="{BB962C8B-B14F-4D97-AF65-F5344CB8AC3E}">
-        <p14:creationId xmlns:p14="http://schemas.microsoft.com/office/powerpoint/2010/main" val="793550568"/>
+        <p14:creationId xmlns:p14="http://schemas.microsoft.com/office/powerpoint/2010/main" val="3010974980"/>
       </p:ext>
     </p:extLst>
   </p:cSld>
@@ -2763,7 +2763,7 @@
           <p:cNvPr id="2" name="标题占位符 1">
             <a:extLst>
               <a:ext uri="{FF2B5EF4-FFF2-40B4-BE49-F238E27FC236}">
-                <a16:creationId xmlns:a16="http://schemas.microsoft.com/office/drawing/2014/main" id="{EE71E563-5AC6-D4AC-4240-474A13A7D6A2}"/>
+                <a16:creationId xmlns:a16="http://schemas.microsoft.com/office/drawing/2014/main" id="{16E65187-22C2-A937-F006-2EEF3E4CD4E1}"/>
               </a:ext>
             </a:extLst>
           </p:cNvPr>
@@ -2801,7 +2801,7 @@
           <p:cNvPr id="3" name="文本占位符 2">
             <a:extLst>
               <a:ext uri="{FF2B5EF4-FFF2-40B4-BE49-F238E27FC236}">
-                <a16:creationId xmlns:a16="http://schemas.microsoft.com/office/drawing/2014/main" id="{7A5B445E-EE08-9BA7-EDC3-28A3968E1EFD}"/>
+                <a16:creationId xmlns:a16="http://schemas.microsoft.com/office/drawing/2014/main" id="{4683D3F1-F19D-8CD3-5048-B626B963734B}"/>
               </a:ext>
             </a:extLst>
           </p:cNvPr>
@@ -2868,7 +2868,7 @@
           <p:cNvPr id="4" name="日期占位符 3">
             <a:extLst>
               <a:ext uri="{FF2B5EF4-FFF2-40B4-BE49-F238E27FC236}">
-                <a16:creationId xmlns:a16="http://schemas.microsoft.com/office/drawing/2014/main" id="{D8FF8393-2371-8581-8861-93E468F3359C}"/>
+                <a16:creationId xmlns:a16="http://schemas.microsoft.com/office/drawing/2014/main" id="{90003621-4798-A7EA-7D9E-6A3FB22FF269}"/>
               </a:ext>
             </a:extLst>
           </p:cNvPr>
@@ -2902,7 +2902,7 @@
             </a:lvl1pPr>
           </a:lstStyle>
           <a:p>
-            <a:fld id="{8763F5E6-13B0-4B16-9BFA-041881E08076}" type="datetimeFigureOut">
+            <a:fld id="{C3FDA72C-55BE-4CC9-AF15-8C2F94430C17}" type="datetimeFigureOut">
               <a:rPr lang="zh-CN" altLang="en-US" smtClean="0"/>
               <a:t>2024/3/10</a:t>
             </a:fld>
@@ -2915,7 +2915,7 @@
           <p:cNvPr id="5" name="页脚占位符 4">
             <a:extLst>
               <a:ext uri="{FF2B5EF4-FFF2-40B4-BE49-F238E27FC236}">
-                <a16:creationId xmlns:a16="http://schemas.microsoft.com/office/drawing/2014/main" id="{6C0B039B-974F-1E58-91AB-06FA6A89EF5F}"/>
+                <a16:creationId xmlns:a16="http://schemas.microsoft.com/office/drawing/2014/main" id="{E577A9D5-314A-9D94-01CA-4BD915441A9C}"/>
               </a:ext>
             </a:extLst>
           </p:cNvPr>
@@ -2958,7 +2958,7 @@
           <p:cNvPr id="6" name="灯片编号占位符 5">
             <a:extLst>
               <a:ext uri="{FF2B5EF4-FFF2-40B4-BE49-F238E27FC236}">
-                <a16:creationId xmlns:a16="http://schemas.microsoft.com/office/drawing/2014/main" id="{4334957F-3763-57E8-C2BA-6B1482E7F6D2}"/>
+                <a16:creationId xmlns:a16="http://schemas.microsoft.com/office/drawing/2014/main" id="{2BF03EE5-0F9F-AA5D-19AF-A439072D3134}"/>
               </a:ext>
             </a:extLst>
           </p:cNvPr>
@@ -2992,7 +2992,7 @@
             </a:lvl1pPr>
           </a:lstStyle>
           <a:p>
-            <a:fld id="{4C8AF1B9-8D38-436D-98BD-3A57F03BA794}" type="slidenum">
+            <a:fld id="{D886264A-1306-4D9C-9BE8-32C1F63097C6}" type="slidenum">
               <a:rPr lang="zh-CN" altLang="en-US" smtClean="0"/>
               <a:t>‹#›</a:t>
             </a:fld>
@@ -3003,7 +3003,7 @@
     </p:spTree>
     <p:extLst>
       <p:ext uri="{BB962C8B-B14F-4D97-AF65-F5344CB8AC3E}">
-        <p14:creationId xmlns:p14="http://schemas.microsoft.com/office/powerpoint/2010/main" val="3365531563"/>
+        <p14:creationId xmlns:p14="http://schemas.microsoft.com/office/powerpoint/2010/main" val="1733655597"/>
       </p:ext>
     </p:extLst>
   </p:cSld>
